--- a/server/presentations/08_Lab_Advanced_N1QL.pptx
+++ b/server/presentations/08_Lab_Advanced_N1QL.pptx
@@ -594,11 +594,11 @@
           <c:showBubbleSize val="0"/>
         </c:dLbls>
         <c:gapWidth val="150"/>
-        <c:axId val="-2098400904"/>
-        <c:axId val="-2074340440"/>
+        <c:axId val="-2144477432"/>
+        <c:axId val="-2144540872"/>
       </c:barChart>
       <c:catAx>
-        <c:axId val="-2098400904"/>
+        <c:axId val="-2144477432"/>
         <c:scaling>
           <c:orientation val="minMax"/>
         </c:scaling>
@@ -624,7 +624,7 @@
             <a:endParaRPr lang="de-DE"/>
           </a:p>
         </c:txPr>
-        <c:crossAx val="-2074340440"/>
+        <c:crossAx val="-2144540872"/>
         <c:crosses val="autoZero"/>
         <c:auto val="1"/>
         <c:lblAlgn val="ctr"/>
@@ -632,7 +632,7 @@
         <c:noMultiLvlLbl val="0"/>
       </c:catAx>
       <c:valAx>
-        <c:axId val="-2074340440"/>
+        <c:axId val="-2144540872"/>
         <c:scaling>
           <c:orientation val="minMax"/>
         </c:scaling>
@@ -674,7 +674,7 @@
             <a:endParaRPr lang="de-DE"/>
           </a:p>
         </c:txPr>
-        <c:crossAx val="-2098400904"/>
+        <c:crossAx val="-2144477432"/>
         <c:crosses val="autoZero"/>
         <c:crossBetween val="between"/>
       </c:valAx>
@@ -916,11 +916,11 @@
           <c:showBubbleSize val="0"/>
         </c:dLbls>
         <c:gapWidth val="150"/>
-        <c:axId val="-2074789992"/>
-        <c:axId val="-2074847384"/>
+        <c:axId val="-2144645464"/>
+        <c:axId val="-2144642248"/>
       </c:barChart>
       <c:catAx>
-        <c:axId val="-2074789992"/>
+        <c:axId val="-2144645464"/>
         <c:scaling>
           <c:orientation val="minMax"/>
         </c:scaling>
@@ -946,7 +946,7 @@
             <a:endParaRPr lang="de-DE"/>
           </a:p>
         </c:txPr>
-        <c:crossAx val="-2074847384"/>
+        <c:crossAx val="-2144642248"/>
         <c:crosses val="autoZero"/>
         <c:auto val="1"/>
         <c:lblAlgn val="ctr"/>
@@ -954,7 +954,7 @@
         <c:noMultiLvlLbl val="0"/>
       </c:catAx>
       <c:valAx>
-        <c:axId val="-2074847384"/>
+        <c:axId val="-2144642248"/>
         <c:scaling>
           <c:orientation val="minMax"/>
         </c:scaling>
@@ -996,7 +996,7 @@
             <a:endParaRPr lang="de-DE"/>
           </a:p>
         </c:txPr>
-        <c:crossAx val="-2074789992"/>
+        <c:crossAx val="-2144645464"/>
         <c:crosses val="autoZero"/>
         <c:crossBetween val="between"/>
       </c:valAx>
@@ -1246,11 +1246,11 @@
         </c:dLbls>
         <c:marker val="1"/>
         <c:smooth val="0"/>
-        <c:axId val="-2073419688"/>
-        <c:axId val="-2073416360"/>
+        <c:axId val="-2144726104"/>
+        <c:axId val="-2144722904"/>
       </c:lineChart>
       <c:catAx>
-        <c:axId val="-2073419688"/>
+        <c:axId val="-2144726104"/>
         <c:scaling>
           <c:orientation val="minMax"/>
         </c:scaling>
@@ -1276,7 +1276,7 @@
             <a:endParaRPr lang="de-DE"/>
           </a:p>
         </c:txPr>
-        <c:crossAx val="-2073416360"/>
+        <c:crossAx val="-2144722904"/>
         <c:crosses val="autoZero"/>
         <c:auto val="1"/>
         <c:lblAlgn val="ctr"/>
@@ -1284,7 +1284,7 @@
         <c:noMultiLvlLbl val="0"/>
       </c:catAx>
       <c:valAx>
-        <c:axId val="-2073416360"/>
+        <c:axId val="-2144722904"/>
         <c:scaling>
           <c:orientation val="minMax"/>
         </c:scaling>
@@ -1324,7 +1324,7 @@
             <a:endParaRPr lang="de-DE"/>
           </a:p>
         </c:txPr>
-        <c:crossAx val="-2073419688"/>
+        <c:crossAx val="-2144726104"/>
         <c:crosses val="autoZero"/>
         <c:crossBetween val="between"/>
       </c:valAx>
@@ -1446,7 +1446,7 @@
           <a:p>
             <a:fld id="{B5389E1E-C654-E943-9883-792E99AD7287}" type="datetimeFigureOut">
               <a:rPr lang="en-US" smtClean="0"/>
-              <a:t>22/05/15</a:t>
+              <a:t>25/05/15</a:t>
             </a:fld>
             <a:endParaRPr lang="en-US"/>
           </a:p>
@@ -1612,7 +1612,7 @@
           <a:p>
             <a:fld id="{9920D99B-2862-464A-984E-65BFC5FC0BBC}" type="datetimeFigureOut">
               <a:rPr lang="en-US" smtClean="0"/>
-              <a:t>22/05/15</a:t>
+              <a:t>25/05/15</a:t>
             </a:fld>
             <a:endParaRPr lang="en-US"/>
           </a:p>
@@ -5083,11 +5083,11 @@
   <p:clrMapOvr>
     <a:masterClrMapping/>
   </p:clrMapOvr>
-  <mc:AlternateContent xmlns:mc="http://schemas.openxmlformats.org/markup-compatibility/2006">
-    <mc:Choice xmlns:p14="http://schemas.microsoft.com/office/powerpoint/2010/main" Requires="p14">
+  <mc:AlternateContent xmlns:mc="http://schemas.openxmlformats.org/markup-compatibility/2006" xmlns:p14="http://schemas.microsoft.com/office/powerpoint/2010/main">
+    <mc:Choice Requires="p14">
       <p:transition spd="slow" p14:dur="2000"/>
     </mc:Choice>
-    <mc:Fallback>
+    <mc:Fallback xmlns="">
       <p:transition xmlns:p14="http://schemas.microsoft.com/office/powerpoint/2010/main" spd="slow"/>
     </mc:Fallback>
   </mc:AlternateContent>
